--- a/docs/Präsentation_Zwischenbericht.pptx
+++ b/docs/Präsentation_Zwischenbericht.pptx
@@ -5637,7 +5637,6 @@
               <a:rPr lang="en-US" dirty="0" smtClean="0"/>
               <a:t>.</a:t>
             </a:r>
-            <a:endParaRPr lang="en-US" dirty="0" smtClean="0"/>
           </a:p>
           <a:p>
             <a:endParaRPr lang="en-US" dirty="0"/>
@@ -6187,18 +6186,25 @@
   <p:clrMapOvr>
     <a:masterClrMapping/>
   </p:clrMapOvr>
-  <mc:AlternateContent xmlns:mc="http://schemas.openxmlformats.org/markup-compatibility/2006">
-    <mc:Choice xmlns:p14="http://schemas.microsoft.com/office/powerpoint/2010/main" Requires="p14">
+  <mc:AlternateContent xmlns:mc="http://schemas.openxmlformats.org/markup-compatibility/2006" xmlns:p14="http://schemas.microsoft.com/office/powerpoint/2010/main">
+    <mc:Choice Requires="p14">
       <p:transition spd="med" p14:dur="700">
         <p:fade/>
       </p:transition>
     </mc:Choice>
-    <mc:Fallback>
+    <mc:Fallback xmlns="">
       <p:transition spd="med">
         <p:fade/>
       </p:transition>
     </mc:Fallback>
   </mc:AlternateContent>
+  <p:timing>
+    <p:tnLst>
+      <p:par>
+        <p:cTn id="1" dur="indefinite" restart="never" nodeType="tmRoot"/>
+      </p:par>
+    </p:tnLst>
+  </p:timing>
 </p:sld>
 </file>
 
@@ -6248,11 +6254,7 @@
             </a:r>
             <a:r>
               <a:rPr lang="en-US" dirty="0" smtClean="0"/>
-              <a:t> Regel</a:t>
-            </a:r>
-            <a:r>
-              <a:rPr lang="en-US" dirty="0" smtClean="0"/>
-              <a:t>:</a:t>
+              <a:t> Regel:</a:t>
             </a:r>
           </a:p>
           <a:p>
@@ -6627,15 +6629,32 @@
           </a:p>
         </p:txBody>
       </p:sp>
+      <p:sp>
+        <p:nvSpPr>
+          <p:cNvPr id="3" name="Content Placeholder 2"/>
+          <p:cNvSpPr>
+            <a:spLocks noGrp="1"/>
+          </p:cNvSpPr>
+          <p:nvPr>
+            <p:ph idx="1"/>
+          </p:nvPr>
+        </p:nvSpPr>
+        <p:spPr/>
+        <p:txBody>
+          <a:bodyPr/>
+          <a:lstStyle/>
+          <a:p>
+            <a:endParaRPr lang="en-GB" dirty="0"/>
+          </a:p>
+        </p:txBody>
+      </p:sp>
       <p:pic>
         <p:nvPicPr>
-          <p:cNvPr id="7" name="Content Placeholder 6"/>
+          <p:cNvPr id="5" name="Picture 4"/>
           <p:cNvPicPr>
-            <a:picLocks noGrp="1" noChangeAspect="1"/>
+            <a:picLocks noChangeAspect="1"/>
           </p:cNvPicPr>
-          <p:nvPr>
-            <p:ph idx="1"/>
-          </p:nvPr>
+          <p:nvPr/>
         </p:nvPicPr>
         <p:blipFill>
           <a:blip r:embed="rId2"/>
@@ -6645,8 +6664,8 @@
         </p:blipFill>
         <p:spPr>
           <a:xfrm>
-            <a:off x="609600" y="2209800"/>
-            <a:ext cx="7382858" cy="4324350"/>
+            <a:off x="681556" y="2249423"/>
+            <a:ext cx="7591935" cy="4443117"/>
           </a:xfrm>
           <a:prstGeom prst="rect">
             <a:avLst/>

--- a/docs/Präsentation_Zwischenbericht.pptx
+++ b/docs/Präsentation_Zwischenbericht.pptx
@@ -5780,8 +5780,12 @@
                 <a:latin typeface="Consolas" panose="020B0609020204030204" pitchFamily="49" charset="0"/>
                 <a:cs typeface="Consolas" panose="020B0609020204030204" pitchFamily="49" charset="0"/>
               </a:rPr>
-              <a:t>1’337/42</a:t>
-            </a:r>
+              <a:t>1’337/42  -&gt; 191 / 6</a:t>
+            </a:r>
+            <a:endParaRPr lang="en-GB" dirty="0" smtClean="0">
+              <a:latin typeface="Consolas" panose="020B0609020204030204" pitchFamily="49" charset="0"/>
+              <a:cs typeface="Consolas" panose="020B0609020204030204" pitchFamily="49" charset="0"/>
+            </a:endParaRPr>
           </a:p>
           <a:p>
             <a:pPr marL="411480" lvl="1" indent="0">
@@ -6454,12 +6458,8 @@
               <a:t> </a:t>
             </a:r>
             <a:r>
-              <a:rPr lang="en-US" dirty="0" err="1" smtClean="0"/>
-              <a:t>Argumente</a:t>
-            </a:r>
-            <a:r>
               <a:rPr lang="en-US" dirty="0" smtClean="0"/>
-              <a:t> </a:t>
+              <a:t>Argument </a:t>
             </a:r>
             <a:r>
               <a:rPr lang="en-US" dirty="0" err="1" smtClean="0"/>
